--- a/wps/excel/28-文本函数LEFT、MID、TEXT/课件.pptx
+++ b/wps/excel/28-文本函数LEFT、MID、TEXT/课件.pptx
@@ -3201,10 +3201,15 @@
             <p:ph idx="1"/>
           </p:nvPr>
         </p:nvSpPr>
-        <p:spPr/>
+        <p:spPr>
+          <a:xfrm>
+            <a:off x="838200" y="1448435"/>
+            <a:ext cx="10551795" cy="4968240"/>
+          </a:xfrm>
+        </p:spPr>
         <p:txBody>
           <a:bodyPr>
-            <a:normAutofit/>
+            <a:normAutofit lnSpcReduction="20000"/>
           </a:bodyPr>
           <a:lstStyle/>
           <a:p>
@@ -3303,6 +3308,66 @@
             </a:endParaRPr>
           </a:p>
           <a:p>
+            <a:pPr marL="228600" lvl="1" algn="l">
+              <a:spcBef>
+                <a:spcPts val="1000"/>
+              </a:spcBef>
+              <a:buClrTx/>
+              <a:buSzTx/>
+            </a:pPr>
+            <a:r>
+              <a:rPr lang="zh-CN" altLang="en-US" sz="2400">
+                <a:sym typeface="+mn-ea"/>
+              </a:rPr>
+              <a:t>格式：= TEXT (数值，格式文本)</a:t>
+            </a:r>
+            <a:endParaRPr lang="zh-CN" altLang="en-US" sz="2400">
+              <a:sym typeface="+mn-ea"/>
+            </a:endParaRPr>
+          </a:p>
+          <a:p>
+            <a:pPr marL="228600" lvl="1" algn="l">
+              <a:spcBef>
+                <a:spcPts val="1000"/>
+              </a:spcBef>
+              <a:buClrTx/>
+              <a:buSzTx/>
+            </a:pPr>
+            <a:endParaRPr lang="zh-CN" altLang="en-US" sz="2400" b="1">
+              <a:sym typeface="+mn-ea"/>
+            </a:endParaRPr>
+          </a:p>
+          <a:p>
+            <a:pPr marL="228600" lvl="1" algn="l">
+              <a:spcBef>
+                <a:spcPts val="1000"/>
+              </a:spcBef>
+              <a:buClrTx/>
+              <a:buSzTx/>
+            </a:pPr>
+            <a:r>
+              <a:rPr lang="zh-CN" altLang="en-US" b="1">
+                <a:sym typeface="+mn-ea"/>
+              </a:rPr>
+              <a:t>五、</a:t>
+            </a:r>
+            <a:r>
+              <a:rPr lang="en-US" altLang="zh-CN" b="1">
+                <a:sym typeface="+mn-ea"/>
+              </a:rPr>
+              <a:t>FIND</a:t>
+            </a:r>
+            <a:r>
+              <a:rPr lang="zh-CN" altLang="en-US" b="1">
+                <a:sym typeface="+mn-ea"/>
+              </a:rPr>
+              <a:t>函数</a:t>
+            </a:r>
+            <a:endParaRPr lang="zh-CN" altLang="en-US" b="1">
+              <a:sym typeface="+mn-ea"/>
+            </a:endParaRPr>
+          </a:p>
+          <a:p>
             <a:pPr lvl="1" algn="l">
               <a:spcBef>
                 <a:spcPts val="500"/>
@@ -3311,11 +3376,65 @@
               <a:buSzTx/>
             </a:pPr>
             <a:r>
-              <a:rPr lang="zh-CN" altLang="en-US" sz="2400">
+              <a:rPr lang="zh-CN" altLang="en-US">
                 <a:sym typeface="+mn-ea"/>
               </a:rPr>
-              <a:t>格式：= TEXT (数值，格式文本)</a:t>
-            </a:r>
+              <a:t>拥有查找字符串所在位置</a:t>
+            </a:r>
+            <a:r>
+              <a:rPr lang="zh-CN" altLang="en-US">
+                <a:sym typeface="+mn-ea"/>
+              </a:rPr>
+              <a:t>。</a:t>
+            </a:r>
+            <a:endParaRPr lang="zh-CN" altLang="en-US">
+              <a:sym typeface="+mn-ea"/>
+            </a:endParaRPr>
+          </a:p>
+          <a:p>
+            <a:pPr lvl="1" algn="l">
+              <a:spcBef>
+                <a:spcPts val="500"/>
+              </a:spcBef>
+              <a:buClrTx/>
+              <a:buSzTx/>
+            </a:pPr>
+            <a:r>
+              <a:rPr lang="zh-CN" altLang="en-US">
+                <a:sym typeface="+mn-ea"/>
+              </a:rPr>
+              <a:t>格式：= </a:t>
+            </a:r>
+            <a:r>
+              <a:rPr lang="en-US" altLang="zh-CN">
+                <a:sym typeface="+mn-ea"/>
+              </a:rPr>
+              <a:t>FIND</a:t>
+            </a:r>
+            <a:r>
+              <a:rPr lang="zh-CN" altLang="en-US">
+                <a:sym typeface="+mn-ea"/>
+              </a:rPr>
+              <a:t>(要查找的字符，被查找的字符，开始位置</a:t>
+            </a:r>
+            <a:r>
+              <a:rPr lang="zh-CN" altLang="en-US">
+                <a:sym typeface="+mn-ea"/>
+              </a:rPr>
+              <a:t>)</a:t>
+            </a:r>
+            <a:endParaRPr lang="zh-CN" altLang="en-US">
+              <a:sym typeface="+mn-ea"/>
+            </a:endParaRPr>
+          </a:p>
+          <a:p>
+            <a:pPr lvl="1" algn="l">
+              <a:spcBef>
+                <a:spcPts val="500"/>
+              </a:spcBef>
+              <a:buClrTx/>
+              <a:buSzTx/>
+            </a:pPr>
             <a:endParaRPr lang="zh-CN" altLang="en-US" sz="2400">
               <a:sym typeface="+mn-ea"/>
             </a:endParaRPr>
